--- a/ppt/codegendev-opening.pptx
+++ b/ppt/codegendev-opening.pptx
@@ -6147,7 +6147,26 @@
             </a:br>
             <a:r>
               <a:rPr lang="ja-JP" altLang="en-US" dirty="0"/>
-              <a:t>ソースコード自動生成ツールに関する基調ミニトーク</a:t>
+              <a:t>ソースコード自動生成ツールに</a:t>
+            </a:r>
+            <a:r>
+              <a:rPr lang="ja-JP" altLang="en-US" dirty="0" smtClean="0"/>
+              <a:t>関する</a:t>
+            </a:r>
+            <a:r>
+              <a:rPr lang="en-US" altLang="ja-JP" smtClean="0"/>
+              <a:t/>
+            </a:r>
+            <a:br>
+              <a:rPr lang="en-US" altLang="ja-JP" smtClean="0"/>
+            </a:br>
+            <a:r>
+              <a:rPr lang="ja-JP" altLang="en-US" smtClean="0"/>
+              <a:t>基調</a:t>
+            </a:r>
+            <a:r>
+              <a:rPr lang="ja-JP" altLang="en-US" dirty="0"/>
+              <a:t>ミニトーク</a:t>
             </a:r>
             <a:endParaRPr kumimoji="1" lang="ja-JP" altLang="en-US" dirty="0"/>
           </a:p>

--- a/ppt/codegendev-opening.pptx
+++ b/ppt/codegendev-opening.pptx
@@ -9,9 +9,11 @@
     <p:sldId id="260" r:id="rId3"/>
     <p:sldId id="261" r:id="rId4"/>
     <p:sldId id="262" r:id="rId5"/>
-    <p:sldId id="264" r:id="rId6"/>
-    <p:sldId id="263" r:id="rId7"/>
-    <p:sldId id="259" r:id="rId8"/>
+    <p:sldId id="266" r:id="rId6"/>
+    <p:sldId id="264" r:id="rId7"/>
+    <p:sldId id="265" r:id="rId8"/>
+    <p:sldId id="263" r:id="rId9"/>
+    <p:sldId id="259" r:id="rId10"/>
   </p:sldIdLst>
   <p:sldSz cx="12192000" cy="6858000"/>
   <p:notesSz cx="6858000" cy="9144000"/>
@@ -842,7 +844,7 @@
               <a:rPr kumimoji="1" lang="ja-JP" altLang="en-US" smtClean="0"/>
               <a:t>2015/11/6</a:t>
             </a:fld>
-            <a:endParaRPr kumimoji="1" lang="ja-JP" altLang="en-US"/>
+            <a:endParaRPr kumimoji="1" lang="ja-JP" altLang="en-US" dirty="0"/>
           </a:p>
         </p:txBody>
       </p:sp>
@@ -861,7 +863,7 @@
           <a:bodyPr/>
           <a:lstStyle/>
           <a:p>
-            <a:endParaRPr kumimoji="1" lang="ja-JP" altLang="en-US"/>
+            <a:endParaRPr kumimoji="1" lang="ja-JP" altLang="en-US" dirty="0"/>
           </a:p>
         </p:txBody>
       </p:sp>
@@ -884,7 +886,7 @@
               <a:rPr kumimoji="1" lang="ja-JP" altLang="en-US" smtClean="0"/>
               <a:t>‹#›</a:t>
             </a:fld>
-            <a:endParaRPr kumimoji="1" lang="ja-JP" altLang="en-US"/>
+            <a:endParaRPr kumimoji="1" lang="ja-JP" altLang="en-US" dirty="0"/>
           </a:p>
         </p:txBody>
       </p:sp>
@@ -1093,7 +1095,7 @@
               <a:rPr kumimoji="1" lang="ja-JP" altLang="en-US" smtClean="0"/>
               <a:t>2015/11/6</a:t>
             </a:fld>
-            <a:endParaRPr kumimoji="1" lang="ja-JP" altLang="en-US"/>
+            <a:endParaRPr kumimoji="1" lang="ja-JP" altLang="en-US" dirty="0"/>
           </a:p>
         </p:txBody>
       </p:sp>
@@ -1112,7 +1114,7 @@
           <a:bodyPr/>
           <a:lstStyle/>
           <a:p>
-            <a:endParaRPr kumimoji="1" lang="ja-JP" altLang="en-US"/>
+            <a:endParaRPr kumimoji="1" lang="ja-JP" altLang="en-US" dirty="0"/>
           </a:p>
         </p:txBody>
       </p:sp>
@@ -1135,7 +1137,7 @@
               <a:rPr kumimoji="1" lang="ja-JP" altLang="en-US" smtClean="0"/>
               <a:t>‹#›</a:t>
             </a:fld>
-            <a:endParaRPr kumimoji="1" lang="ja-JP" altLang="en-US"/>
+            <a:endParaRPr kumimoji="1" lang="ja-JP" altLang="en-US" dirty="0"/>
           </a:p>
         </p:txBody>
       </p:sp>
@@ -1407,7 +1409,7 @@
               <a:rPr kumimoji="1" lang="ja-JP" altLang="en-US" smtClean="0"/>
               <a:t>2015/11/6</a:t>
             </a:fld>
-            <a:endParaRPr kumimoji="1" lang="ja-JP" altLang="en-US"/>
+            <a:endParaRPr kumimoji="1" lang="ja-JP" altLang="en-US" dirty="0"/>
           </a:p>
         </p:txBody>
       </p:sp>
@@ -1426,7 +1428,7 @@
           <a:bodyPr/>
           <a:lstStyle/>
           <a:p>
-            <a:endParaRPr kumimoji="1" lang="ja-JP" altLang="en-US"/>
+            <a:endParaRPr kumimoji="1" lang="ja-JP" altLang="en-US" dirty="0"/>
           </a:p>
         </p:txBody>
       </p:sp>
@@ -1449,7 +1451,7 @@
               <a:rPr kumimoji="1" lang="ja-JP" altLang="en-US" smtClean="0"/>
               <a:t>‹#›</a:t>
             </a:fld>
-            <a:endParaRPr kumimoji="1" lang="ja-JP" altLang="en-US"/>
+            <a:endParaRPr kumimoji="1" lang="ja-JP" altLang="en-US" dirty="0"/>
           </a:p>
         </p:txBody>
       </p:sp>
@@ -1748,7 +1750,7 @@
               <a:rPr kumimoji="1" lang="ja-JP" altLang="en-US" smtClean="0"/>
               <a:t>2015/11/6</a:t>
             </a:fld>
-            <a:endParaRPr kumimoji="1" lang="ja-JP" altLang="en-US"/>
+            <a:endParaRPr kumimoji="1" lang="ja-JP" altLang="en-US" dirty="0"/>
           </a:p>
         </p:txBody>
       </p:sp>
@@ -1767,7 +1769,7 @@
           <a:bodyPr/>
           <a:lstStyle/>
           <a:p>
-            <a:endParaRPr kumimoji="1" lang="ja-JP" altLang="en-US"/>
+            <a:endParaRPr kumimoji="1" lang="ja-JP" altLang="en-US" dirty="0"/>
           </a:p>
         </p:txBody>
       </p:sp>
@@ -1790,7 +1792,7 @@
               <a:rPr kumimoji="1" lang="ja-JP" altLang="en-US" smtClean="0"/>
               <a:t>‹#›</a:t>
             </a:fld>
-            <a:endParaRPr kumimoji="1" lang="ja-JP" altLang="en-US"/>
+            <a:endParaRPr kumimoji="1" lang="ja-JP" altLang="en-US" dirty="0"/>
           </a:p>
         </p:txBody>
       </p:sp>
@@ -2062,7 +2064,7 @@
               <a:rPr kumimoji="1" lang="ja-JP" altLang="en-US" smtClean="0"/>
               <a:t>2015/11/6</a:t>
             </a:fld>
-            <a:endParaRPr kumimoji="1" lang="ja-JP" altLang="en-US"/>
+            <a:endParaRPr kumimoji="1" lang="ja-JP" altLang="en-US" dirty="0"/>
           </a:p>
         </p:txBody>
       </p:sp>
@@ -2081,7 +2083,7 @@
           <a:bodyPr/>
           <a:lstStyle/>
           <a:p>
-            <a:endParaRPr kumimoji="1" lang="ja-JP" altLang="en-US"/>
+            <a:endParaRPr kumimoji="1" lang="ja-JP" altLang="en-US" dirty="0"/>
           </a:p>
         </p:txBody>
       </p:sp>
@@ -2104,7 +2106,7 @@
               <a:rPr kumimoji="1" lang="ja-JP" altLang="en-US" smtClean="0"/>
               <a:t>‹#›</a:t>
             </a:fld>
-            <a:endParaRPr kumimoji="1" lang="ja-JP" altLang="en-US"/>
+            <a:endParaRPr kumimoji="1" lang="ja-JP" altLang="en-US" dirty="0"/>
           </a:p>
         </p:txBody>
       </p:sp>
@@ -2455,7 +2457,7 @@
               <a:rPr kumimoji="1" lang="ja-JP" altLang="en-US" smtClean="0"/>
               <a:t>2015/11/6</a:t>
             </a:fld>
-            <a:endParaRPr kumimoji="1" lang="ja-JP" altLang="en-US"/>
+            <a:endParaRPr kumimoji="1" lang="ja-JP" altLang="en-US" dirty="0"/>
           </a:p>
         </p:txBody>
       </p:sp>
@@ -2474,7 +2476,7 @@
           <a:bodyPr/>
           <a:lstStyle/>
           <a:p>
-            <a:endParaRPr kumimoji="1" lang="ja-JP" altLang="en-US"/>
+            <a:endParaRPr kumimoji="1" lang="ja-JP" altLang="en-US" dirty="0"/>
           </a:p>
         </p:txBody>
       </p:sp>
@@ -2497,7 +2499,7 @@
               <a:rPr kumimoji="1" lang="ja-JP" altLang="en-US" smtClean="0"/>
               <a:t>‹#›</a:t>
             </a:fld>
-            <a:endParaRPr kumimoji="1" lang="ja-JP" altLang="en-US"/>
+            <a:endParaRPr kumimoji="1" lang="ja-JP" altLang="en-US" dirty="0"/>
           </a:p>
         </p:txBody>
       </p:sp>
@@ -2657,7 +2659,7 @@
               <a:rPr kumimoji="1" lang="ja-JP" altLang="en-US" smtClean="0"/>
               <a:t>2015/11/6</a:t>
             </a:fld>
-            <a:endParaRPr kumimoji="1" lang="ja-JP" altLang="en-US"/>
+            <a:endParaRPr kumimoji="1" lang="ja-JP" altLang="en-US" dirty="0"/>
           </a:p>
         </p:txBody>
       </p:sp>
@@ -2676,7 +2678,7 @@
           <a:bodyPr/>
           <a:lstStyle/>
           <a:p>
-            <a:endParaRPr kumimoji="1" lang="ja-JP" altLang="en-US"/>
+            <a:endParaRPr kumimoji="1" lang="ja-JP" altLang="en-US" dirty="0"/>
           </a:p>
         </p:txBody>
       </p:sp>
@@ -2699,7 +2701,7 @@
               <a:rPr kumimoji="1" lang="ja-JP" altLang="en-US" smtClean="0"/>
               <a:t>‹#›</a:t>
             </a:fld>
-            <a:endParaRPr kumimoji="1" lang="ja-JP" altLang="en-US"/>
+            <a:endParaRPr kumimoji="1" lang="ja-JP" altLang="en-US" dirty="0"/>
           </a:p>
         </p:txBody>
       </p:sp>
@@ -2869,7 +2871,7 @@
               <a:rPr kumimoji="1" lang="ja-JP" altLang="en-US" smtClean="0"/>
               <a:t>2015/11/6</a:t>
             </a:fld>
-            <a:endParaRPr kumimoji="1" lang="ja-JP" altLang="en-US"/>
+            <a:endParaRPr kumimoji="1" lang="ja-JP" altLang="en-US" dirty="0"/>
           </a:p>
         </p:txBody>
       </p:sp>
@@ -2888,7 +2890,7 @@
           <a:bodyPr/>
           <a:lstStyle/>
           <a:p>
-            <a:endParaRPr kumimoji="1" lang="ja-JP" altLang="en-US"/>
+            <a:endParaRPr kumimoji="1" lang="ja-JP" altLang="en-US" dirty="0"/>
           </a:p>
         </p:txBody>
       </p:sp>
@@ -2911,7 +2913,7 @@
               <a:rPr kumimoji="1" lang="ja-JP" altLang="en-US" smtClean="0"/>
               <a:t>‹#›</a:t>
             </a:fld>
-            <a:endParaRPr kumimoji="1" lang="ja-JP" altLang="en-US"/>
+            <a:endParaRPr kumimoji="1" lang="ja-JP" altLang="en-US" dirty="0"/>
           </a:p>
         </p:txBody>
       </p:sp>
@@ -3077,7 +3079,7 @@
               <a:rPr kumimoji="1" lang="ja-JP" altLang="en-US" smtClean="0"/>
               <a:t>2015/11/6</a:t>
             </a:fld>
-            <a:endParaRPr kumimoji="1" lang="ja-JP" altLang="en-US"/>
+            <a:endParaRPr kumimoji="1" lang="ja-JP" altLang="en-US" dirty="0"/>
           </a:p>
         </p:txBody>
       </p:sp>
@@ -3096,7 +3098,7 @@
           <a:bodyPr/>
           <a:lstStyle/>
           <a:p>
-            <a:endParaRPr kumimoji="1" lang="ja-JP" altLang="en-US"/>
+            <a:endParaRPr kumimoji="1" lang="ja-JP" altLang="en-US" dirty="0"/>
           </a:p>
         </p:txBody>
       </p:sp>
@@ -3119,7 +3121,7 @@
               <a:rPr kumimoji="1" lang="ja-JP" altLang="en-US" smtClean="0"/>
               <a:t>‹#›</a:t>
             </a:fld>
-            <a:endParaRPr kumimoji="1" lang="ja-JP" altLang="en-US"/>
+            <a:endParaRPr kumimoji="1" lang="ja-JP" altLang="en-US" dirty="0"/>
           </a:p>
         </p:txBody>
       </p:sp>
@@ -3324,7 +3326,7 @@
               <a:rPr kumimoji="1" lang="ja-JP" altLang="en-US" smtClean="0"/>
               <a:t>2015/11/6</a:t>
             </a:fld>
-            <a:endParaRPr kumimoji="1" lang="ja-JP" altLang="en-US"/>
+            <a:endParaRPr kumimoji="1" lang="ja-JP" altLang="en-US" dirty="0"/>
           </a:p>
         </p:txBody>
       </p:sp>
@@ -3343,7 +3345,7 @@
           <a:bodyPr/>
           <a:lstStyle/>
           <a:p>
-            <a:endParaRPr kumimoji="1" lang="ja-JP" altLang="en-US"/>
+            <a:endParaRPr kumimoji="1" lang="ja-JP" altLang="en-US" dirty="0"/>
           </a:p>
         </p:txBody>
       </p:sp>
@@ -3366,7 +3368,7 @@
               <a:rPr kumimoji="1" lang="ja-JP" altLang="en-US" smtClean="0"/>
               <a:t>‹#›</a:t>
             </a:fld>
-            <a:endParaRPr kumimoji="1" lang="ja-JP" altLang="en-US"/>
+            <a:endParaRPr kumimoji="1" lang="ja-JP" altLang="en-US" dirty="0"/>
           </a:p>
         </p:txBody>
       </p:sp>
@@ -3620,7 +3622,7 @@
               <a:rPr kumimoji="1" lang="ja-JP" altLang="en-US" smtClean="0"/>
               <a:t>2015/11/6</a:t>
             </a:fld>
-            <a:endParaRPr kumimoji="1" lang="ja-JP" altLang="en-US"/>
+            <a:endParaRPr kumimoji="1" lang="ja-JP" altLang="en-US" dirty="0"/>
           </a:p>
         </p:txBody>
       </p:sp>
@@ -3639,7 +3641,7 @@
           <a:bodyPr/>
           <a:lstStyle/>
           <a:p>
-            <a:endParaRPr kumimoji="1" lang="ja-JP" altLang="en-US"/>
+            <a:endParaRPr kumimoji="1" lang="ja-JP" altLang="en-US" dirty="0"/>
           </a:p>
         </p:txBody>
       </p:sp>
@@ -3662,7 +3664,7 @@
               <a:rPr kumimoji="1" lang="ja-JP" altLang="en-US" smtClean="0"/>
               <a:t>‹#›</a:t>
             </a:fld>
-            <a:endParaRPr kumimoji="1" lang="ja-JP" altLang="en-US"/>
+            <a:endParaRPr kumimoji="1" lang="ja-JP" altLang="en-US" dirty="0"/>
           </a:p>
         </p:txBody>
       </p:sp>
@@ -4058,7 +4060,7 @@
               <a:rPr kumimoji="1" lang="ja-JP" altLang="en-US" smtClean="0"/>
               <a:t>2015/11/6</a:t>
             </a:fld>
-            <a:endParaRPr kumimoji="1" lang="ja-JP" altLang="en-US"/>
+            <a:endParaRPr kumimoji="1" lang="ja-JP" altLang="en-US" dirty="0"/>
           </a:p>
         </p:txBody>
       </p:sp>
@@ -4077,7 +4079,7 @@
           <a:bodyPr/>
           <a:lstStyle/>
           <a:p>
-            <a:endParaRPr kumimoji="1" lang="ja-JP" altLang="en-US"/>
+            <a:endParaRPr kumimoji="1" lang="ja-JP" altLang="en-US" dirty="0"/>
           </a:p>
         </p:txBody>
       </p:sp>
@@ -4100,7 +4102,7 @@
               <a:rPr kumimoji="1" lang="ja-JP" altLang="en-US" smtClean="0"/>
               <a:t>‹#›</a:t>
             </a:fld>
-            <a:endParaRPr kumimoji="1" lang="ja-JP" altLang="en-US"/>
+            <a:endParaRPr kumimoji="1" lang="ja-JP" altLang="en-US" dirty="0"/>
           </a:p>
         </p:txBody>
       </p:sp>
@@ -4181,7 +4183,7 @@
               <a:rPr kumimoji="1" lang="ja-JP" altLang="en-US" smtClean="0"/>
               <a:t>2015/11/6</a:t>
             </a:fld>
-            <a:endParaRPr kumimoji="1" lang="ja-JP" altLang="en-US"/>
+            <a:endParaRPr kumimoji="1" lang="ja-JP" altLang="en-US" dirty="0"/>
           </a:p>
         </p:txBody>
       </p:sp>
@@ -4200,7 +4202,7 @@
           <a:bodyPr/>
           <a:lstStyle/>
           <a:p>
-            <a:endParaRPr kumimoji="1" lang="ja-JP" altLang="en-US"/>
+            <a:endParaRPr kumimoji="1" lang="ja-JP" altLang="en-US" dirty="0"/>
           </a:p>
         </p:txBody>
       </p:sp>
@@ -4223,7 +4225,7 @@
               <a:rPr kumimoji="1" lang="ja-JP" altLang="en-US" smtClean="0"/>
               <a:t>‹#›</a:t>
             </a:fld>
-            <a:endParaRPr kumimoji="1" lang="ja-JP" altLang="en-US"/>
+            <a:endParaRPr kumimoji="1" lang="ja-JP" altLang="en-US" dirty="0"/>
           </a:p>
         </p:txBody>
       </p:sp>
@@ -4276,7 +4278,7 @@
               <a:rPr kumimoji="1" lang="ja-JP" altLang="en-US" smtClean="0"/>
               <a:t>2015/11/6</a:t>
             </a:fld>
-            <a:endParaRPr kumimoji="1" lang="ja-JP" altLang="en-US"/>
+            <a:endParaRPr kumimoji="1" lang="ja-JP" altLang="en-US" dirty="0"/>
           </a:p>
         </p:txBody>
       </p:sp>
@@ -4295,7 +4297,7 @@
           <a:bodyPr/>
           <a:lstStyle/>
           <a:p>
-            <a:endParaRPr kumimoji="1" lang="ja-JP" altLang="en-US"/>
+            <a:endParaRPr kumimoji="1" lang="ja-JP" altLang="en-US" dirty="0"/>
           </a:p>
         </p:txBody>
       </p:sp>
@@ -4318,7 +4320,7 @@
               <a:rPr kumimoji="1" lang="ja-JP" altLang="en-US" smtClean="0"/>
               <a:t>‹#›</a:t>
             </a:fld>
-            <a:endParaRPr kumimoji="1" lang="ja-JP" altLang="en-US"/>
+            <a:endParaRPr kumimoji="1" lang="ja-JP" altLang="en-US" dirty="0"/>
           </a:p>
         </p:txBody>
       </p:sp>
@@ -4563,7 +4565,7 @@
               <a:rPr kumimoji="1" lang="ja-JP" altLang="en-US" smtClean="0"/>
               <a:t>2015/11/6</a:t>
             </a:fld>
-            <a:endParaRPr kumimoji="1" lang="ja-JP" altLang="en-US"/>
+            <a:endParaRPr kumimoji="1" lang="ja-JP" altLang="en-US" dirty="0"/>
           </a:p>
         </p:txBody>
       </p:sp>
@@ -4582,7 +4584,7 @@
           <a:bodyPr/>
           <a:lstStyle/>
           <a:p>
-            <a:endParaRPr kumimoji="1" lang="ja-JP" altLang="en-US"/>
+            <a:endParaRPr kumimoji="1" lang="ja-JP" altLang="en-US" dirty="0"/>
           </a:p>
         </p:txBody>
       </p:sp>
@@ -4605,7 +4607,7 @@
               <a:rPr kumimoji="1" lang="ja-JP" altLang="en-US" smtClean="0"/>
               <a:t>‹#›</a:t>
             </a:fld>
-            <a:endParaRPr kumimoji="1" lang="ja-JP" altLang="en-US"/>
+            <a:endParaRPr kumimoji="1" lang="ja-JP" altLang="en-US" dirty="0"/>
           </a:p>
         </p:txBody>
       </p:sp>
@@ -4733,7 +4735,7 @@
           </a:lstStyle>
           <a:p>
             <a:r>
-              <a:rPr lang="ja-JP" altLang="en-US" smtClean="0"/>
+              <a:rPr lang="ja-JP" altLang="en-US" dirty="0" smtClean="0"/>
               <a:t>図を追加</a:t>
             </a:r>
             <a:endParaRPr lang="en-US" dirty="0"/>
@@ -4826,7 +4828,7 @@
               <a:rPr kumimoji="1" lang="ja-JP" altLang="en-US" smtClean="0"/>
               <a:t>2015/11/6</a:t>
             </a:fld>
-            <a:endParaRPr kumimoji="1" lang="ja-JP" altLang="en-US"/>
+            <a:endParaRPr kumimoji="1" lang="ja-JP" altLang="en-US" dirty="0"/>
           </a:p>
         </p:txBody>
       </p:sp>
@@ -4845,7 +4847,7 @@
           <a:bodyPr/>
           <a:lstStyle/>
           <a:p>
-            <a:endParaRPr kumimoji="1" lang="ja-JP" altLang="en-US"/>
+            <a:endParaRPr kumimoji="1" lang="ja-JP" altLang="en-US" dirty="0"/>
           </a:p>
         </p:txBody>
       </p:sp>
@@ -4868,7 +4870,7 @@
               <a:rPr kumimoji="1" lang="ja-JP" altLang="en-US" smtClean="0"/>
               <a:t>‹#›</a:t>
             </a:fld>
-            <a:endParaRPr kumimoji="1" lang="ja-JP" altLang="en-US"/>
+            <a:endParaRPr kumimoji="1" lang="ja-JP" altLang="en-US" dirty="0"/>
           </a:p>
         </p:txBody>
       </p:sp>
@@ -5601,7 +5603,7 @@
               <a:rPr kumimoji="1" lang="ja-JP" altLang="en-US" smtClean="0"/>
               <a:t>2015/11/6</a:t>
             </a:fld>
-            <a:endParaRPr kumimoji="1" lang="ja-JP" altLang="en-US"/>
+            <a:endParaRPr kumimoji="1" lang="ja-JP" altLang="en-US" dirty="0"/>
           </a:p>
         </p:txBody>
       </p:sp>
@@ -5638,7 +5640,7 @@
             </a:lvl1pPr>
           </a:lstStyle>
           <a:p>
-            <a:endParaRPr kumimoji="1" lang="ja-JP" altLang="en-US"/>
+            <a:endParaRPr kumimoji="1" lang="ja-JP" altLang="en-US" dirty="0"/>
           </a:p>
         </p:txBody>
       </p:sp>
@@ -5677,7 +5679,7 @@
               <a:rPr kumimoji="1" lang="ja-JP" altLang="en-US" smtClean="0"/>
               <a:t>‹#›</a:t>
             </a:fld>
-            <a:endParaRPr kumimoji="1" lang="ja-JP" altLang="en-US"/>
+            <a:endParaRPr kumimoji="1" lang="ja-JP" altLang="en-US" dirty="0"/>
           </a:p>
         </p:txBody>
       </p:sp>
@@ -6154,14 +6156,14 @@
               <a:t>関する</a:t>
             </a:r>
             <a:r>
-              <a:rPr lang="en-US" altLang="ja-JP" smtClean="0"/>
+              <a:rPr lang="en-US" altLang="ja-JP" dirty="0" smtClean="0"/>
               <a:t/>
             </a:r>
             <a:br>
-              <a:rPr lang="en-US" altLang="ja-JP" smtClean="0"/>
+              <a:rPr lang="en-US" altLang="ja-JP" dirty="0" smtClean="0"/>
             </a:br>
             <a:r>
-              <a:rPr lang="ja-JP" altLang="en-US" smtClean="0"/>
+              <a:rPr lang="ja-JP" altLang="en-US" dirty="0" smtClean="0"/>
               <a:t>基調</a:t>
             </a:r>
             <a:r>
@@ -6315,7 +6317,42 @@
           <a:p>
             <a:r>
               <a:rPr lang="ja-JP" altLang="en-US" sz="3200" dirty="0" smtClean="0"/>
-              <a:t>ソースコードを生成することとは</a:t>
+              <a:t>ソースコードを生成することと</a:t>
+            </a:r>
+            <a:r>
+              <a:rPr lang="ja-JP" altLang="en-US" sz="3200" dirty="0" smtClean="0"/>
+              <a:t>は？</a:t>
+            </a:r>
+            <a:endParaRPr lang="en-US" altLang="ja-JP" sz="3200" dirty="0" smtClean="0"/>
+          </a:p>
+          <a:p>
+            <a:endParaRPr kumimoji="1" lang="en-US" altLang="ja-JP" sz="3200" dirty="0"/>
+          </a:p>
+          <a:p>
+            <a:r>
+              <a:rPr lang="ja-JP" altLang="en-US" sz="3200" dirty="0" smtClean="0"/>
+              <a:t>何かを入力に、ソースコードを生成する</a:t>
+            </a:r>
+            <a:endParaRPr lang="en-US" altLang="ja-JP" sz="3200" dirty="0" smtClean="0"/>
+          </a:p>
+          <a:p>
+            <a:endParaRPr kumimoji="1" lang="en-US" altLang="ja-JP" sz="3200" dirty="0"/>
+          </a:p>
+          <a:p>
+            <a:r>
+              <a:rPr kumimoji="1" lang="ja-JP" altLang="en-US" sz="3200" dirty="0" smtClean="0"/>
+              <a:t>無から有は生み出さない</a:t>
+            </a:r>
+            <a:endParaRPr kumimoji="1" lang="en-US" altLang="ja-JP" sz="3200" dirty="0" smtClean="0"/>
+          </a:p>
+          <a:p>
+            <a:r>
+              <a:rPr lang="ja-JP" altLang="en-US" sz="3200" dirty="0"/>
+              <a:t>入力</a:t>
+            </a:r>
+            <a:r>
+              <a:rPr lang="ja-JP" altLang="en-US" sz="3200" dirty="0" smtClean="0"/>
+              <a:t>を作成・理解・運用するコストに注意</a:t>
             </a:r>
             <a:endParaRPr kumimoji="1" lang="en-US" altLang="ja-JP" sz="3200" dirty="0" smtClean="0"/>
           </a:p>
@@ -6400,18 +6437,22 @@
           <a:p>
             <a:r>
               <a:rPr lang="ja-JP" altLang="en-US" sz="3200" dirty="0" smtClean="0"/>
-              <a:t>２価論</a:t>
+              <a:t>２値論なのか</a:t>
+            </a:r>
+            <a:r>
+              <a:rPr lang="en-US" altLang="ja-JP" sz="3200" dirty="0" smtClean="0"/>
+              <a:t>?</a:t>
             </a:r>
             <a:endParaRPr lang="en-US" altLang="ja-JP" sz="3200" dirty="0" smtClean="0"/>
           </a:p>
           <a:p>
             <a:r>
-              <a:rPr kumimoji="1" lang="ja-JP" altLang="en-US" sz="3200" dirty="0"/>
-              <a:t>柔軟</a:t>
-            </a:r>
-            <a:r>
               <a:rPr kumimoji="1" lang="ja-JP" altLang="en-US" sz="3200" dirty="0" smtClean="0"/>
-              <a:t>さ</a:t>
+              <a:t>柔軟さも必要では</a:t>
+            </a:r>
+            <a:r>
+              <a:rPr kumimoji="1" lang="en-US" altLang="ja-JP" sz="3200" dirty="0" smtClean="0"/>
+              <a:t>?</a:t>
             </a:r>
             <a:endParaRPr kumimoji="1" lang="en-US" altLang="ja-JP" sz="3200" dirty="0" smtClean="0"/>
           </a:p>
@@ -6457,7 +6498,12 @@
             <p:ph type="title"/>
           </p:nvPr>
         </p:nvSpPr>
-        <p:spPr/>
+        <p:spPr>
+          <a:xfrm>
+            <a:off x="677333" y="609600"/>
+            <a:ext cx="8886391" cy="1320800"/>
+          </a:xfrm>
+        </p:spPr>
         <p:txBody>
           <a:bodyPr>
             <a:normAutofit fontScale="90000"/>
@@ -6484,21 +6530,91 @@
         </p:nvSpPr>
         <p:spPr>
           <a:xfrm>
-            <a:off x="677334" y="2160589"/>
+            <a:off x="557412" y="2130609"/>
             <a:ext cx="8596668" cy="4576761"/>
           </a:xfrm>
         </p:spPr>
         <p:txBody>
           <a:bodyPr>
-            <a:normAutofit/>
+            <a:normAutofit lnSpcReduction="10000"/>
           </a:bodyPr>
           <a:lstStyle/>
           <a:p>
             <a:r>
               <a:rPr lang="ja-JP" altLang="en-US" sz="3200" dirty="0" smtClean="0"/>
-              <a:t>その価値があるのか</a:t>
+              <a:t>自動化の</a:t>
+            </a:r>
+            <a:r>
+              <a:rPr lang="ja-JP" altLang="en-US" sz="3200" dirty="0" smtClean="0"/>
+              <a:t>価値があるの</a:t>
+            </a:r>
+            <a:r>
+              <a:rPr lang="ja-JP" altLang="en-US" sz="3200" dirty="0" smtClean="0"/>
+              <a:t>か</a:t>
+            </a:r>
+            <a:endParaRPr lang="en-US" altLang="ja-JP" sz="3200" dirty="0" smtClean="0"/>
+          </a:p>
+          <a:p>
+            <a:pPr lvl="1"/>
+            <a:r>
+              <a:rPr kumimoji="1" lang="ja-JP" altLang="en-US" sz="3000" dirty="0"/>
+              <a:t>生産性</a:t>
+            </a:r>
+            <a:r>
+              <a:rPr kumimoji="1" lang="ja-JP" altLang="en-US" sz="3000" dirty="0" smtClean="0"/>
+              <a:t>の向上</a:t>
+            </a:r>
+            <a:endParaRPr kumimoji="1" lang="en-US" altLang="ja-JP" sz="3000" dirty="0" smtClean="0"/>
+          </a:p>
+          <a:p>
+            <a:pPr lvl="1"/>
+            <a:r>
+              <a:rPr lang="ja-JP" altLang="en-US" sz="3000" dirty="0"/>
+              <a:t>保守性</a:t>
+            </a:r>
+            <a:r>
+              <a:rPr lang="ja-JP" altLang="en-US" sz="3000" dirty="0" smtClean="0"/>
+              <a:t>の向上</a:t>
+            </a:r>
+            <a:endParaRPr lang="en-US" altLang="ja-JP" sz="3000" dirty="0" smtClean="0"/>
+          </a:p>
+          <a:p>
+            <a:pPr lvl="1"/>
+            <a:r>
+              <a:rPr kumimoji="1" lang="ja-JP" altLang="en-US" sz="3000" dirty="0"/>
+              <a:t>規模</a:t>
+            </a:r>
+            <a:r>
+              <a:rPr kumimoji="1" lang="ja-JP" altLang="en-US" sz="3000" dirty="0" smtClean="0"/>
+              <a:t>の縮小</a:t>
+            </a:r>
+            <a:endParaRPr kumimoji="1" lang="en-US" altLang="ja-JP" sz="3000" dirty="0" smtClean="0"/>
+          </a:p>
+          <a:p>
+            <a:endParaRPr lang="en-US" altLang="ja-JP" sz="3200" dirty="0"/>
+          </a:p>
+          <a:p>
+            <a:r>
+              <a:rPr kumimoji="1" lang="ja-JP" altLang="en-US" sz="3200" dirty="0" smtClean="0"/>
+              <a:t>私見：単体テストコードは、入力が </a:t>
+            </a:r>
+            <a:r>
+              <a:rPr kumimoji="1" lang="en-US" altLang="ja-JP" sz="3200" dirty="0" smtClean="0"/>
+              <a:t>JUnit </a:t>
+            </a:r>
+            <a:r>
+              <a:rPr kumimoji="1" lang="ja-JP" altLang="en-US" sz="3200" dirty="0" smtClean="0"/>
+              <a:t>などのほうが良いとすら考える</a:t>
             </a:r>
             <a:endParaRPr kumimoji="1" lang="en-US" altLang="ja-JP" sz="3200" dirty="0" smtClean="0"/>
+          </a:p>
+          <a:p>
+            <a:pPr lvl="1"/>
+            <a:r>
+              <a:rPr lang="en-US" altLang="ja-JP" sz="3000" dirty="0" smtClean="0"/>
+              <a:t>Eclipse AST , BCEL , …</a:t>
+            </a:r>
+            <a:endParaRPr kumimoji="1" lang="en-US" altLang="ja-JP" sz="3000" dirty="0" smtClean="0"/>
           </a:p>
         </p:txBody>
       </p:sp>
@@ -6542,7 +6658,46 @@
             <p:ph type="title"/>
           </p:nvPr>
         </p:nvSpPr>
-        <p:spPr/>
+        <p:spPr>
+          <a:xfrm>
+            <a:off x="677333" y="609600"/>
+            <a:ext cx="8886391" cy="1320800"/>
+          </a:xfrm>
+        </p:spPr>
+        <p:txBody>
+          <a:bodyPr>
+            <a:normAutofit fontScale="90000"/>
+          </a:bodyPr>
+          <a:lstStyle/>
+          <a:p>
+            <a:r>
+              <a:rPr kumimoji="1" lang="ja-JP" altLang="en-US" sz="4400" dirty="0" smtClean="0"/>
+              <a:t>ソースコードを書くコストとの</a:t>
+            </a:r>
+            <a:r>
+              <a:rPr kumimoji="1" lang="ja-JP" altLang="en-US" sz="4400" dirty="0" smtClean="0"/>
+              <a:t>見合い（２）</a:t>
+            </a:r>
+            <a:endParaRPr kumimoji="1" lang="ja-JP" altLang="en-US" sz="4400" dirty="0"/>
+          </a:p>
+        </p:txBody>
+      </p:sp>
+      <p:sp>
+        <p:nvSpPr>
+          <p:cNvPr id="3" name="コンテンツ プレースホルダー 2"/>
+          <p:cNvSpPr>
+            <a:spLocks noGrp="1"/>
+          </p:cNvSpPr>
+          <p:nvPr>
+            <p:ph idx="1"/>
+          </p:nvPr>
+        </p:nvSpPr>
+        <p:spPr>
+          <a:xfrm>
+            <a:off x="557412" y="2130609"/>
+            <a:ext cx="8596668" cy="4576761"/>
+          </a:xfrm>
+        </p:spPr>
         <p:txBody>
           <a:bodyPr>
             <a:normAutofit/>
@@ -6550,58 +6705,52 @@
           <a:lstStyle/>
           <a:p>
             <a:r>
-              <a:rPr kumimoji="1" lang="ja-JP" altLang="en-US" sz="4400" dirty="0" smtClean="0"/>
-              <a:t>納品物？</a:t>
-            </a:r>
-            <a:endParaRPr kumimoji="1" lang="ja-JP" altLang="en-US" sz="4400" dirty="0"/>
-          </a:p>
-        </p:txBody>
-      </p:sp>
-      <p:sp>
-        <p:nvSpPr>
-          <p:cNvPr id="3" name="コンテンツ プレースホルダー 2"/>
-          <p:cNvSpPr>
-            <a:spLocks noGrp="1"/>
-          </p:cNvSpPr>
-          <p:nvPr>
-            <p:ph idx="1"/>
-          </p:nvPr>
-        </p:nvSpPr>
-        <p:spPr>
-          <a:xfrm>
-            <a:off x="677334" y="2160589"/>
-            <a:ext cx="8596668" cy="4576761"/>
-          </a:xfrm>
-        </p:spPr>
-        <p:txBody>
-          <a:bodyPr>
-            <a:normAutofit/>
-          </a:bodyPr>
-          <a:lstStyle/>
-          <a:p>
+              <a:rPr lang="en-US" altLang="ja-JP" sz="3200" dirty="0" smtClean="0"/>
+              <a:t>SQL + DB</a:t>
+            </a:r>
             <a:r>
               <a:rPr lang="ja-JP" altLang="en-US" sz="3200" dirty="0" smtClean="0"/>
-              <a:t>ソースコードの可読性</a:t>
+              <a:t>メタ → ソースコード</a:t>
             </a:r>
             <a:endParaRPr lang="en-US" altLang="ja-JP" sz="3200" dirty="0" smtClean="0"/>
           </a:p>
           <a:p>
-            <a:r>
-              <a:rPr kumimoji="1" lang="ja-JP" altLang="en-US" sz="3200" smtClean="0"/>
-              <a:t>バイナリ</a:t>
-            </a:r>
-            <a:r>
-              <a:rPr kumimoji="1" lang="ja-JP" altLang="en-US" sz="3200"/>
-              <a:t>？</a:t>
-            </a:r>
-            <a:endParaRPr kumimoji="1" lang="en-US" altLang="ja-JP" sz="3200" dirty="0" smtClean="0"/>
+            <a:pPr lvl="1"/>
+            <a:r>
+              <a:rPr kumimoji="1" lang="ja-JP" altLang="en-US" sz="3000" dirty="0" smtClean="0"/>
+              <a:t>見た目、入力を省略できている</a:t>
+            </a:r>
+            <a:endParaRPr kumimoji="1" lang="en-US" altLang="ja-JP" sz="3000" dirty="0" smtClean="0"/>
+          </a:p>
+          <a:p>
+            <a:pPr lvl="1"/>
+            <a:r>
+              <a:rPr kumimoji="1" lang="ja-JP" altLang="en-US" sz="2800" dirty="0" smtClean="0"/>
+              <a:t>単純作業から人間を解放できる</a:t>
+            </a:r>
+            <a:endParaRPr kumimoji="1" lang="en-US" altLang="ja-JP" sz="2800" dirty="0" smtClean="0"/>
+          </a:p>
+          <a:p>
+            <a:r>
+              <a:rPr lang="ja-JP" altLang="en-US" sz="3000" dirty="0" smtClean="0"/>
+              <a:t>通信系</a:t>
+            </a:r>
+            <a:endParaRPr lang="en-US" altLang="ja-JP" sz="3000" dirty="0" smtClean="0"/>
+          </a:p>
+          <a:p>
+            <a:pPr lvl="1"/>
+            <a:r>
+              <a:rPr kumimoji="1" lang="ja-JP" altLang="en-US" sz="2800" dirty="0" smtClean="0"/>
+              <a:t>インタフェースバグを自動生成が防ぐ</a:t>
+            </a:r>
+            <a:endParaRPr kumimoji="1" lang="en-US" altLang="ja-JP" sz="2800" dirty="0" smtClean="0"/>
           </a:p>
         </p:txBody>
       </p:sp>
     </p:spTree>
     <p:extLst>
       <p:ext uri="{BB962C8B-B14F-4D97-AF65-F5344CB8AC3E}">
-        <p14:creationId xmlns:p14="http://schemas.microsoft.com/office/powerpoint/2010/main" val="958944286"/>
+        <p14:creationId xmlns:p14="http://schemas.microsoft.com/office/powerpoint/2010/main" val="3428543094"/>
       </p:ext>
     </p:extLst>
   </p:cSld>
@@ -6647,15 +6796,7 @@
           <a:p>
             <a:r>
               <a:rPr kumimoji="1" lang="ja-JP" altLang="en-US" sz="4400" dirty="0" smtClean="0"/>
-              <a:t>人工知能 </a:t>
-            </a:r>
-            <a:r>
-              <a:rPr kumimoji="1" lang="en-US" altLang="ja-JP" sz="4400" dirty="0" smtClean="0"/>
-              <a:t>vs </a:t>
-            </a:r>
-            <a:r>
-              <a:rPr kumimoji="1" lang="ja-JP" altLang="en-US" sz="4400" dirty="0" smtClean="0"/>
-              <a:t>自動生成</a:t>
+              <a:t>納品物？</a:t>
             </a:r>
             <a:endParaRPr kumimoji="1" lang="ja-JP" altLang="en-US" sz="4400" dirty="0"/>
           </a:p>
@@ -6685,9 +6826,303 @@
           <a:p>
             <a:r>
               <a:rPr lang="ja-JP" altLang="en-US" sz="3200" dirty="0" smtClean="0"/>
-              <a:t>人工知能プログラミング</a:t>
+              <a:t>ソースコードの可読性</a:t>
+            </a:r>
+            <a:endParaRPr lang="en-US" altLang="ja-JP" sz="3200" dirty="0" smtClean="0"/>
+          </a:p>
+          <a:p>
+            <a:r>
+              <a:rPr kumimoji="1" lang="ja-JP" altLang="en-US" sz="3200" dirty="0" smtClean="0"/>
+              <a:t>バイナリ</a:t>
+            </a:r>
+            <a:r>
+              <a:rPr kumimoji="1" lang="ja-JP" altLang="en-US" sz="3200" dirty="0" smtClean="0"/>
+              <a:t>？</a:t>
             </a:r>
             <a:endParaRPr kumimoji="1" lang="en-US" altLang="ja-JP" sz="3200" dirty="0" smtClean="0"/>
+          </a:p>
+          <a:p>
+            <a:endParaRPr lang="en-US" altLang="ja-JP" sz="3200" dirty="0"/>
+          </a:p>
+          <a:p>
+            <a:r>
+              <a:rPr kumimoji="1" lang="ja-JP" altLang="en-US" sz="3200" dirty="0" smtClean="0"/>
+              <a:t>可読性重要</a:t>
+            </a:r>
+            <a:endParaRPr kumimoji="1" lang="en-US" altLang="ja-JP" sz="3200" dirty="0" smtClean="0"/>
+          </a:p>
+          <a:p>
+            <a:pPr lvl="1"/>
+            <a:r>
+              <a:rPr lang="ja-JP" altLang="en-US" sz="3000" dirty="0" smtClean="0"/>
+              <a:t>例</a:t>
+            </a:r>
+            <a:r>
+              <a:rPr lang="en-US" altLang="ja-JP" sz="3000" dirty="0" smtClean="0"/>
+              <a:t>: </a:t>
+            </a:r>
+            <a:r>
+              <a:rPr lang="ja-JP" altLang="en-US" sz="3000" dirty="0" smtClean="0"/>
+              <a:t>ソースコード整形</a:t>
+            </a:r>
+            <a:endParaRPr kumimoji="1" lang="en-US" altLang="ja-JP" sz="3000" dirty="0" smtClean="0"/>
+          </a:p>
+          <a:p>
+            <a:r>
+              <a:rPr lang="ja-JP" altLang="en-US" sz="3200" dirty="0" smtClean="0"/>
+              <a:t>コメント重要 </a:t>
+            </a:r>
+            <a:r>
+              <a:rPr lang="en-US" altLang="ja-JP" sz="3200" dirty="0" smtClean="0"/>
+              <a:t>(Generation Gap </a:t>
+            </a:r>
+            <a:r>
+              <a:rPr lang="ja-JP" altLang="en-US" sz="3200" dirty="0" smtClean="0"/>
+              <a:t>デザパタ</a:t>
+            </a:r>
+            <a:r>
+              <a:rPr lang="en-US" altLang="ja-JP" sz="3200" dirty="0" smtClean="0"/>
+              <a:t>)</a:t>
+            </a:r>
+          </a:p>
+          <a:p>
+            <a:endParaRPr lang="en-US" altLang="ja-JP" sz="3200" dirty="0" smtClean="0"/>
+          </a:p>
+          <a:p>
+            <a:endParaRPr kumimoji="1" lang="en-US" altLang="ja-JP" sz="3200" dirty="0" smtClean="0"/>
+          </a:p>
+        </p:txBody>
+      </p:sp>
+    </p:spTree>
+    <p:extLst>
+      <p:ext uri="{BB962C8B-B14F-4D97-AF65-F5344CB8AC3E}">
+        <p14:creationId xmlns:p14="http://schemas.microsoft.com/office/powerpoint/2010/main" val="958944286"/>
+      </p:ext>
+    </p:extLst>
+  </p:cSld>
+  <p:clrMapOvr>
+    <a:masterClrMapping/>
+  </p:clrMapOvr>
+</p:sld>
+</file>
+
+<file path=ppt/slides/slide7.xml><?xml version="1.0" encoding="utf-8"?>
+<p:sld xmlns:a="http://schemas.openxmlformats.org/drawingml/2006/main" xmlns:r="http://schemas.openxmlformats.org/officeDocument/2006/relationships" xmlns:p="http://schemas.openxmlformats.org/presentationml/2006/main">
+  <p:cSld>
+    <p:spTree>
+      <p:nvGrpSpPr>
+        <p:cNvPr id="1" name=""/>
+        <p:cNvGrpSpPr/>
+        <p:nvPr/>
+      </p:nvGrpSpPr>
+      <p:grpSpPr>
+        <a:xfrm>
+          <a:off x="0" y="0"/>
+          <a:ext cx="0" cy="0"/>
+          <a:chOff x="0" y="0"/>
+          <a:chExt cx="0" cy="0"/>
+        </a:xfrm>
+      </p:grpSpPr>
+      <p:sp>
+        <p:nvSpPr>
+          <p:cNvPr id="2" name="タイトル 1"/>
+          <p:cNvSpPr>
+            <a:spLocks noGrp="1"/>
+          </p:cNvSpPr>
+          <p:nvPr>
+            <p:ph type="title"/>
+          </p:nvPr>
+        </p:nvSpPr>
+        <p:spPr/>
+        <p:txBody>
+          <a:bodyPr>
+            <a:normAutofit fontScale="90000"/>
+          </a:bodyPr>
+          <a:lstStyle/>
+          <a:p>
+            <a:r>
+              <a:rPr kumimoji="1" lang="ja-JP" altLang="en-US" sz="4400" dirty="0" smtClean="0"/>
+              <a:t>生成コードを</a:t>
+            </a:r>
+            <a:r>
+              <a:rPr lang="ja-JP" altLang="en-US" sz="4400" dirty="0" smtClean="0"/>
+              <a:t>構成管理するかどう</a:t>
+            </a:r>
+            <a:r>
+              <a:rPr lang="ja-JP" altLang="en-US" sz="4400" dirty="0"/>
+              <a:t>か</a:t>
+            </a:r>
+            <a:endParaRPr kumimoji="1" lang="ja-JP" altLang="en-US" sz="4400" dirty="0"/>
+          </a:p>
+        </p:txBody>
+      </p:sp>
+      <p:sp>
+        <p:nvSpPr>
+          <p:cNvPr id="3" name="コンテンツ プレースホルダー 2"/>
+          <p:cNvSpPr>
+            <a:spLocks noGrp="1"/>
+          </p:cNvSpPr>
+          <p:nvPr>
+            <p:ph idx="1"/>
+          </p:nvPr>
+        </p:nvSpPr>
+        <p:spPr>
+          <a:xfrm>
+            <a:off x="677333" y="2160589"/>
+            <a:ext cx="9261145" cy="4576761"/>
+          </a:xfrm>
+        </p:spPr>
+        <p:txBody>
+          <a:bodyPr>
+            <a:normAutofit/>
+          </a:bodyPr>
+          <a:lstStyle/>
+          <a:p>
+            <a:r>
+              <a:rPr lang="ja-JP" altLang="en-US" sz="3200" dirty="0" smtClean="0"/>
+              <a:t>入力・出力の両方を構成管理すべき（私見）</a:t>
+            </a:r>
+            <a:endParaRPr lang="en-US" altLang="ja-JP" sz="3200" dirty="0" smtClean="0"/>
+          </a:p>
+          <a:p>
+            <a:endParaRPr kumimoji="1" lang="en-US" altLang="ja-JP" sz="3200" dirty="0" smtClean="0"/>
+          </a:p>
+        </p:txBody>
+      </p:sp>
+    </p:spTree>
+    <p:extLst>
+      <p:ext uri="{BB962C8B-B14F-4D97-AF65-F5344CB8AC3E}">
+        <p14:creationId xmlns:p14="http://schemas.microsoft.com/office/powerpoint/2010/main" val="2049348829"/>
+      </p:ext>
+    </p:extLst>
+  </p:cSld>
+  <p:clrMapOvr>
+    <a:masterClrMapping/>
+  </p:clrMapOvr>
+</p:sld>
+</file>
+
+<file path=ppt/slides/slide8.xml><?xml version="1.0" encoding="utf-8"?>
+<p:sld xmlns:a="http://schemas.openxmlformats.org/drawingml/2006/main" xmlns:r="http://schemas.openxmlformats.org/officeDocument/2006/relationships" xmlns:p="http://schemas.openxmlformats.org/presentationml/2006/main">
+  <p:cSld>
+    <p:spTree>
+      <p:nvGrpSpPr>
+        <p:cNvPr id="1" name=""/>
+        <p:cNvGrpSpPr/>
+        <p:nvPr/>
+      </p:nvGrpSpPr>
+      <p:grpSpPr>
+        <a:xfrm>
+          <a:off x="0" y="0"/>
+          <a:ext cx="0" cy="0"/>
+          <a:chOff x="0" y="0"/>
+          <a:chExt cx="0" cy="0"/>
+        </a:xfrm>
+      </p:grpSpPr>
+      <p:sp>
+        <p:nvSpPr>
+          <p:cNvPr id="2" name="タイトル 1"/>
+          <p:cNvSpPr>
+            <a:spLocks noGrp="1"/>
+          </p:cNvSpPr>
+          <p:nvPr>
+            <p:ph type="title"/>
+          </p:nvPr>
+        </p:nvSpPr>
+        <p:spPr/>
+        <p:txBody>
+          <a:bodyPr>
+            <a:normAutofit/>
+          </a:bodyPr>
+          <a:lstStyle/>
+          <a:p>
+            <a:r>
+              <a:rPr kumimoji="1" lang="ja-JP" altLang="en-US" sz="4400" dirty="0" smtClean="0"/>
+              <a:t>人工知能 </a:t>
+            </a:r>
+            <a:r>
+              <a:rPr kumimoji="1" lang="en-US" altLang="ja-JP" sz="4400" dirty="0" smtClean="0"/>
+              <a:t>vs </a:t>
+            </a:r>
+            <a:r>
+              <a:rPr kumimoji="1" lang="ja-JP" altLang="en-US" sz="4400" dirty="0" smtClean="0"/>
+              <a:t>自動生成</a:t>
+            </a:r>
+            <a:endParaRPr kumimoji="1" lang="ja-JP" altLang="en-US" sz="4400" dirty="0"/>
+          </a:p>
+        </p:txBody>
+      </p:sp>
+      <p:sp>
+        <p:nvSpPr>
+          <p:cNvPr id="3" name="コンテンツ プレースホルダー 2"/>
+          <p:cNvSpPr>
+            <a:spLocks noGrp="1"/>
+          </p:cNvSpPr>
+          <p:nvPr>
+            <p:ph idx="1"/>
+          </p:nvPr>
+        </p:nvSpPr>
+        <p:spPr>
+          <a:xfrm>
+            <a:off x="677334" y="2160589"/>
+            <a:ext cx="9366076" cy="4576761"/>
+          </a:xfrm>
+        </p:spPr>
+        <p:txBody>
+          <a:bodyPr>
+            <a:normAutofit/>
+          </a:bodyPr>
+          <a:lstStyle/>
+          <a:p>
+            <a:r>
+              <a:rPr lang="ja-JP" altLang="en-US" sz="3200" dirty="0" smtClean="0"/>
+              <a:t>人工知能</a:t>
+            </a:r>
+            <a:r>
+              <a:rPr lang="ja-JP" altLang="en-US" sz="3200" dirty="0" smtClean="0"/>
+              <a:t>プログラミング</a:t>
+            </a:r>
+            <a:endParaRPr lang="en-US" altLang="ja-JP" sz="3200" dirty="0" smtClean="0"/>
+          </a:p>
+          <a:p>
+            <a:pPr lvl="1"/>
+            <a:r>
+              <a:rPr kumimoji="1" lang="ja-JP" altLang="en-US" sz="3000" dirty="0" smtClean="0"/>
+              <a:t>生成ソースコードを構成管理</a:t>
+            </a:r>
+            <a:endParaRPr kumimoji="1" lang="en-US" altLang="ja-JP" sz="3000" dirty="0" smtClean="0"/>
+          </a:p>
+          <a:p>
+            <a:pPr lvl="1"/>
+            <a:r>
+              <a:rPr lang="ja-JP" altLang="en-US" sz="3000" dirty="0"/>
+              <a:t>人間</a:t>
+            </a:r>
+            <a:r>
+              <a:rPr lang="ja-JP" altLang="en-US" sz="3000" dirty="0" smtClean="0"/>
+              <a:t>が理解</a:t>
+            </a:r>
+            <a:r>
+              <a:rPr lang="ja-JP" altLang="en-US" sz="3000" dirty="0"/>
+              <a:t>可能</a:t>
+            </a:r>
+            <a:r>
+              <a:rPr lang="ja-JP" altLang="en-US" sz="3000" dirty="0" smtClean="0"/>
+              <a:t>な</a:t>
+            </a:r>
+            <a:r>
+              <a:rPr lang="ja-JP" altLang="en-US" sz="3000" dirty="0"/>
+              <a:t>プログラム</a:t>
+            </a:r>
+            <a:r>
+              <a:rPr lang="ja-JP" altLang="en-US" sz="3000" dirty="0" smtClean="0"/>
+              <a:t>を生成してほしい</a:t>
+            </a:r>
+            <a:r>
+              <a:rPr lang="en-US" altLang="ja-JP" sz="3000" dirty="0" smtClean="0"/>
+              <a:t>…</a:t>
+            </a:r>
+            <a:endParaRPr kumimoji="1" lang="en-US" altLang="ja-JP" sz="3000" dirty="0" smtClean="0"/>
           </a:p>
         </p:txBody>
       </p:sp>
@@ -6704,7 +7139,7 @@
 </p:sld>
 </file>
 
-<file path=ppt/slides/slide7.xml><?xml version="1.0" encoding="utf-8"?>
+<file path=ppt/slides/slide9.xml><?xml version="1.0" encoding="utf-8"?>
 <p:sld xmlns:a="http://schemas.openxmlformats.org/drawingml/2006/main" xmlns:r="http://schemas.openxmlformats.org/officeDocument/2006/relationships" xmlns:p="http://schemas.openxmlformats.org/presentationml/2006/main">
   <p:cSld>
     <p:spTree>

--- a/ppt/codegendev-opening.pptx
+++ b/ppt/codegendev-opening.pptx
@@ -12,8 +12,9 @@
     <p:sldId id="266" r:id="rId6"/>
     <p:sldId id="264" r:id="rId7"/>
     <p:sldId id="265" r:id="rId8"/>
-    <p:sldId id="263" r:id="rId9"/>
-    <p:sldId id="259" r:id="rId10"/>
+    <p:sldId id="267" r:id="rId9"/>
+    <p:sldId id="263" r:id="rId10"/>
+    <p:sldId id="259" r:id="rId11"/>
   </p:sldIdLst>
   <p:sldSz cx="12192000" cy="6858000"/>
   <p:notesSz cx="6858000" cy="9144000"/>
@@ -6248,6 +6249,112 @@
   <p:clrMapOvr>
     <a:masterClrMapping/>
   </p:clrMapOvr>
+  <p:timing>
+    <p:tnLst>
+      <p:par>
+        <p:cTn id="1" dur="indefinite" restart="never" nodeType="tmRoot"/>
+      </p:par>
+    </p:tnLst>
+  </p:timing>
+</p:sld>
+</file>
+
+<file path=ppt/slides/slide10.xml><?xml version="1.0" encoding="utf-8"?>
+<p:sld xmlns:a="http://schemas.openxmlformats.org/drawingml/2006/main" xmlns:r="http://schemas.openxmlformats.org/officeDocument/2006/relationships" xmlns:p="http://schemas.openxmlformats.org/presentationml/2006/main">
+  <p:cSld>
+    <p:spTree>
+      <p:nvGrpSpPr>
+        <p:cNvPr id="1" name=""/>
+        <p:cNvGrpSpPr/>
+        <p:nvPr/>
+      </p:nvGrpSpPr>
+      <p:grpSpPr>
+        <a:xfrm>
+          <a:off x="0" y="0"/>
+          <a:ext cx="0" cy="0"/>
+          <a:chOff x="0" y="0"/>
+          <a:chExt cx="0" cy="0"/>
+        </a:xfrm>
+      </p:grpSpPr>
+      <p:sp>
+        <p:nvSpPr>
+          <p:cNvPr id="2" name="タイトル 1"/>
+          <p:cNvSpPr>
+            <a:spLocks noGrp="1"/>
+          </p:cNvSpPr>
+          <p:nvPr>
+            <p:ph type="ctrTitle"/>
+          </p:nvPr>
+        </p:nvSpPr>
+        <p:spPr/>
+        <p:txBody>
+          <a:bodyPr/>
+          <a:lstStyle/>
+          <a:p>
+            <a:r>
+              <a:rPr kumimoji="1" lang="en-US" altLang="ja-JP" dirty="0" smtClean="0"/>
+              <a:t>Next…</a:t>
+            </a:r>
+            <a:endParaRPr kumimoji="1" lang="ja-JP" altLang="en-US" dirty="0"/>
+          </a:p>
+        </p:txBody>
+      </p:sp>
+      <p:sp>
+        <p:nvSpPr>
+          <p:cNvPr id="3" name="サブタイトル 2"/>
+          <p:cNvSpPr>
+            <a:spLocks noGrp="1"/>
+          </p:cNvSpPr>
+          <p:nvPr>
+            <p:ph type="subTitle" idx="1"/>
+          </p:nvPr>
+        </p:nvSpPr>
+        <p:spPr/>
+        <p:txBody>
+          <a:bodyPr>
+            <a:normAutofit/>
+          </a:bodyPr>
+          <a:lstStyle/>
+          <a:p>
+            <a:r>
+              <a:rPr lang="ja-JP" altLang="en-US" sz="2400" dirty="0"/>
+              <a:t>ソースコード自動生成ツール開発者の勉強会</a:t>
+            </a:r>
+            <a:r>
+              <a:rPr lang="en-US" altLang="ja-JP" sz="2400" dirty="0"/>
+              <a:t>#</a:t>
+            </a:r>
+            <a:r>
+              <a:rPr lang="en-US" altLang="ja-JP" sz="2400" dirty="0" smtClean="0"/>
+              <a:t>1</a:t>
+            </a:r>
+          </a:p>
+          <a:p>
+            <a:r>
+              <a:rPr kumimoji="1" lang="en-US" altLang="ja-JP" sz="2400" dirty="0" smtClean="0"/>
+              <a:t>2015/11/06</a:t>
+            </a:r>
+            <a:endParaRPr kumimoji="1" lang="ja-JP" altLang="en-US" sz="2400" dirty="0"/>
+          </a:p>
+        </p:txBody>
+      </p:sp>
+    </p:spTree>
+    <p:extLst>
+      <p:ext uri="{BB962C8B-B14F-4D97-AF65-F5344CB8AC3E}">
+        <p14:creationId xmlns:p14="http://schemas.microsoft.com/office/powerpoint/2010/main" val="4189906395"/>
+      </p:ext>
+    </p:extLst>
+  </p:cSld>
+  <p:clrMapOvr>
+    <a:masterClrMapping/>
+  </p:clrMapOvr>
+  <p:timing>
+    <p:tnLst>
+      <p:par>
+        <p:cTn id="1" dur="indefinite" restart="never" nodeType="tmRoot"/>
+      </p:par>
+    </p:tnLst>
+  </p:timing>
 </p:sld>
 </file>
 
@@ -6317,11 +6424,7 @@
           <a:p>
             <a:r>
               <a:rPr lang="ja-JP" altLang="en-US" sz="3200" dirty="0" smtClean="0"/>
-              <a:t>ソースコードを生成することと</a:t>
-            </a:r>
-            <a:r>
-              <a:rPr lang="ja-JP" altLang="en-US" sz="3200" dirty="0" smtClean="0"/>
-              <a:t>は？</a:t>
+              <a:t>ソースコードを生成することとは？</a:t>
             </a:r>
             <a:endParaRPr lang="en-US" altLang="ja-JP" sz="3200" dirty="0" smtClean="0"/>
           </a:p>
@@ -6368,6 +6471,13 @@
   <p:clrMapOvr>
     <a:masterClrMapping/>
   </p:clrMapOvr>
+  <p:timing>
+    <p:tnLst>
+      <p:par>
+        <p:cTn id="1" dur="indefinite" restart="never" nodeType="tmRoot"/>
+      </p:par>
+    </p:tnLst>
+  </p:timing>
 </p:sld>
 </file>
 
@@ -6443,7 +6553,6 @@
               <a:rPr lang="en-US" altLang="ja-JP" sz="3200" dirty="0" smtClean="0"/>
               <a:t>?</a:t>
             </a:r>
-            <a:endParaRPr lang="en-US" altLang="ja-JP" sz="3200" dirty="0" smtClean="0"/>
           </a:p>
           <a:p>
             <a:r>
@@ -6454,7 +6563,6 @@
               <a:rPr kumimoji="1" lang="en-US" altLang="ja-JP" sz="3200" dirty="0" smtClean="0"/>
               <a:t>?</a:t>
             </a:r>
-            <a:endParaRPr kumimoji="1" lang="en-US" altLang="ja-JP" sz="3200" dirty="0" smtClean="0"/>
           </a:p>
         </p:txBody>
       </p:sp>
@@ -6468,6 +6576,13 @@
   <p:clrMapOvr>
     <a:masterClrMapping/>
   </p:clrMapOvr>
+  <p:timing>
+    <p:tnLst>
+      <p:par>
+        <p:cTn id="1" dur="indefinite" restart="never" nodeType="tmRoot"/>
+      </p:par>
+    </p:tnLst>
+  </p:timing>
 </p:sld>
 </file>
 
@@ -6542,15 +6657,7 @@
           <a:p>
             <a:r>
               <a:rPr lang="ja-JP" altLang="en-US" sz="3200" dirty="0" smtClean="0"/>
-              <a:t>自動化の</a:t>
-            </a:r>
-            <a:r>
-              <a:rPr lang="ja-JP" altLang="en-US" sz="3200" dirty="0" smtClean="0"/>
-              <a:t>価値があるの</a:t>
-            </a:r>
-            <a:r>
-              <a:rPr lang="ja-JP" altLang="en-US" sz="3200" dirty="0" smtClean="0"/>
-              <a:t>か</a:t>
+              <a:t>自動化の価値があるのか</a:t>
             </a:r>
             <a:endParaRPr lang="en-US" altLang="ja-JP" sz="3200" dirty="0" smtClean="0"/>
           </a:p>
@@ -6628,6 +6735,13 @@
   <p:clrMapOvr>
     <a:masterClrMapping/>
   </p:clrMapOvr>
+  <p:timing>
+    <p:tnLst>
+      <p:par>
+        <p:cTn id="1" dur="indefinite" restart="never" nodeType="tmRoot"/>
+      </p:par>
+    </p:tnLst>
+  </p:timing>
 </p:sld>
 </file>
 
@@ -6672,11 +6786,7 @@
           <a:p>
             <a:r>
               <a:rPr kumimoji="1" lang="ja-JP" altLang="en-US" sz="4400" dirty="0" smtClean="0"/>
-              <a:t>ソースコードを書くコストとの</a:t>
-            </a:r>
-            <a:r>
-              <a:rPr kumimoji="1" lang="ja-JP" altLang="en-US" sz="4400" dirty="0" smtClean="0"/>
-              <a:t>見合い（２）</a:t>
+              <a:t>ソースコードを書くコストとの見合い（２）</a:t>
             </a:r>
             <a:endParaRPr kumimoji="1" lang="ja-JP" altLang="en-US" sz="4400" dirty="0"/>
           </a:p>
@@ -6757,6 +6867,13 @@
   <p:clrMapOvr>
     <a:masterClrMapping/>
   </p:clrMapOvr>
+  <p:timing>
+    <p:tnLst>
+      <p:par>
+        <p:cTn id="1" dur="indefinite" restart="never" nodeType="tmRoot"/>
+      </p:par>
+    </p:tnLst>
+  </p:timing>
 </p:sld>
 </file>
 
@@ -6833,11 +6950,7 @@
           <a:p>
             <a:r>
               <a:rPr kumimoji="1" lang="ja-JP" altLang="en-US" sz="3200" dirty="0" smtClean="0"/>
-              <a:t>バイナリ</a:t>
-            </a:r>
-            <a:r>
-              <a:rPr kumimoji="1" lang="ja-JP" altLang="en-US" sz="3200" dirty="0" smtClean="0"/>
-              <a:t>？</a:t>
+              <a:t>バイナリ？</a:t>
             </a:r>
             <a:endParaRPr kumimoji="1" lang="en-US" altLang="ja-JP" sz="3200" dirty="0" smtClean="0"/>
           </a:p>
@@ -6903,6 +7016,13 @@
   <p:clrMapOvr>
     <a:masterClrMapping/>
   </p:clrMapOvr>
+  <p:timing>
+    <p:tnLst>
+      <p:par>
+        <p:cTn id="1" dur="indefinite" restart="never" nodeType="tmRoot"/>
+      </p:par>
+    </p:tnLst>
+  </p:timing>
 </p:sld>
 </file>
 
@@ -6999,6 +7119,13 @@
   <p:clrMapOvr>
     <a:masterClrMapping/>
   </p:clrMapOvr>
+  <p:timing>
+    <p:tnLst>
+      <p:par>
+        <p:cTn id="1" dur="indefinite" restart="never" nodeType="tmRoot"/>
+      </p:par>
+    </p:tnLst>
+  </p:timing>
 </p:sld>
 </file>
 
@@ -7038,15 +7165,7 @@
           <a:p>
             <a:r>
               <a:rPr kumimoji="1" lang="ja-JP" altLang="en-US" sz="4400" dirty="0" smtClean="0"/>
-              <a:t>人工知能 </a:t>
-            </a:r>
-            <a:r>
-              <a:rPr kumimoji="1" lang="en-US" altLang="ja-JP" sz="4400" dirty="0" smtClean="0"/>
-              <a:t>vs </a:t>
-            </a:r>
-            <a:r>
-              <a:rPr kumimoji="1" lang="ja-JP" altLang="en-US" sz="4400" dirty="0" smtClean="0"/>
-              <a:t>自動生成</a:t>
+              <a:t>生成コードの編集</a:t>
             </a:r>
             <a:endParaRPr kumimoji="1" lang="ja-JP" altLang="en-US" sz="4400" dirty="0"/>
           </a:p>
@@ -7064,8 +7183,8 @@
         </p:nvSpPr>
         <p:spPr>
           <a:xfrm>
-            <a:off x="677334" y="2160589"/>
-            <a:ext cx="9366076" cy="4576761"/>
+            <a:off x="677333" y="2160589"/>
+            <a:ext cx="9261145" cy="4576761"/>
           </a:xfrm>
         </p:spPr>
         <p:txBody>
@@ -7076,66 +7195,40 @@
           <a:p>
             <a:r>
               <a:rPr lang="ja-JP" altLang="en-US" sz="3200" dirty="0" smtClean="0"/>
-              <a:t>人工知能</a:t>
-            </a:r>
-            <a:r>
-              <a:rPr lang="ja-JP" altLang="en-US" sz="3200" dirty="0" smtClean="0"/>
-              <a:t>プログラミング</a:t>
+              <a:t>許可か不許可か</a:t>
             </a:r>
             <a:endParaRPr lang="en-US" altLang="ja-JP" sz="3200" dirty="0" smtClean="0"/>
           </a:p>
           <a:p>
-            <a:pPr lvl="1"/>
-            <a:r>
-              <a:rPr kumimoji="1" lang="ja-JP" altLang="en-US" sz="3000" dirty="0" smtClean="0"/>
-              <a:t>生成ソースコードを構成管理</a:t>
-            </a:r>
-            <a:endParaRPr kumimoji="1" lang="en-US" altLang="ja-JP" sz="3000" dirty="0" smtClean="0"/>
-          </a:p>
-          <a:p>
-            <a:pPr lvl="1"/>
-            <a:r>
-              <a:rPr lang="ja-JP" altLang="en-US" sz="3000" dirty="0"/>
-              <a:t>人間</a:t>
-            </a:r>
-            <a:r>
-              <a:rPr lang="ja-JP" altLang="en-US" sz="3000" dirty="0" smtClean="0"/>
-              <a:t>が理解</a:t>
-            </a:r>
-            <a:r>
-              <a:rPr lang="ja-JP" altLang="en-US" sz="3000" dirty="0"/>
-              <a:t>可能</a:t>
-            </a:r>
-            <a:r>
-              <a:rPr lang="ja-JP" altLang="en-US" sz="3000" dirty="0" smtClean="0"/>
-              <a:t>な</a:t>
-            </a:r>
-            <a:r>
-              <a:rPr lang="ja-JP" altLang="en-US" sz="3000" dirty="0"/>
-              <a:t>プログラム</a:t>
-            </a:r>
-            <a:r>
-              <a:rPr lang="ja-JP" altLang="en-US" sz="3000" dirty="0" smtClean="0"/>
-              <a:t>を生成してほしい</a:t>
-            </a:r>
-            <a:r>
-              <a:rPr lang="en-US" altLang="ja-JP" sz="3000" dirty="0" smtClean="0"/>
-              <a:t>…</a:t>
-            </a:r>
-            <a:endParaRPr kumimoji="1" lang="en-US" altLang="ja-JP" sz="3000" dirty="0" smtClean="0"/>
+            <a:r>
+              <a:rPr kumimoji="1" lang="en-US" altLang="ja-JP" sz="3200" dirty="0" err="1" smtClean="0"/>
+              <a:t>GenerationGap</a:t>
+            </a:r>
+            <a:r>
+              <a:rPr kumimoji="1" lang="en-US" altLang="ja-JP" sz="3200" smtClean="0"/>
+              <a:t>?</a:t>
+            </a:r>
+            <a:endParaRPr kumimoji="1" lang="en-US" altLang="ja-JP" sz="3200" dirty="0" smtClean="0"/>
           </a:p>
         </p:txBody>
       </p:sp>
     </p:spTree>
     <p:extLst>
       <p:ext uri="{BB962C8B-B14F-4D97-AF65-F5344CB8AC3E}">
-        <p14:creationId xmlns:p14="http://schemas.microsoft.com/office/powerpoint/2010/main" val="585363741"/>
+        <p14:creationId xmlns:p14="http://schemas.microsoft.com/office/powerpoint/2010/main" val="1177104702"/>
       </p:ext>
     </p:extLst>
   </p:cSld>
   <p:clrMapOvr>
     <a:masterClrMapping/>
   </p:clrMapOvr>
+  <p:timing>
+    <p:tnLst>
+      <p:par>
+        <p:cTn id="1" dur="indefinite" restart="never" nodeType="tmRoot"/>
+      </p:par>
+    </p:tnLst>
+  </p:timing>
 </p:sld>
 </file>
 
@@ -7163,30 +7256,7 @@
             <a:spLocks noGrp="1"/>
           </p:cNvSpPr>
           <p:nvPr>
-            <p:ph type="ctrTitle"/>
-          </p:nvPr>
-        </p:nvSpPr>
-        <p:spPr/>
-        <p:txBody>
-          <a:bodyPr/>
-          <a:lstStyle/>
-          <a:p>
-            <a:r>
-              <a:rPr kumimoji="1" lang="en-US" altLang="ja-JP" dirty="0" smtClean="0"/>
-              <a:t>Next…</a:t>
-            </a:r>
-            <a:endParaRPr kumimoji="1" lang="ja-JP" altLang="en-US" dirty="0"/>
-          </a:p>
-        </p:txBody>
-      </p:sp>
-      <p:sp>
-        <p:nvSpPr>
-          <p:cNvPr id="3" name="サブタイトル 2"/>
-          <p:cNvSpPr>
-            <a:spLocks noGrp="1"/>
-          </p:cNvSpPr>
-          <p:nvPr>
-            <p:ph type="subTitle" idx="1"/>
+            <p:ph type="title"/>
           </p:nvPr>
         </p:nvSpPr>
         <p:spPr/>
@@ -7197,37 +7267,108 @@
           <a:lstStyle/>
           <a:p>
             <a:r>
-              <a:rPr lang="ja-JP" altLang="en-US" sz="2400" dirty="0"/>
-              <a:t>ソースコード自動生成ツール開発者の勉強会</a:t>
-            </a:r>
-            <a:r>
-              <a:rPr lang="en-US" altLang="ja-JP" sz="2400" dirty="0"/>
-              <a:t>#</a:t>
-            </a:r>
-            <a:r>
-              <a:rPr lang="en-US" altLang="ja-JP" sz="2400" dirty="0" smtClean="0"/>
-              <a:t>1</a:t>
-            </a:r>
-          </a:p>
-          <a:p>
-            <a:r>
-              <a:rPr kumimoji="1" lang="en-US" altLang="ja-JP" sz="2400" dirty="0" smtClean="0"/>
-              <a:t>2015/11/06</a:t>
-            </a:r>
-            <a:endParaRPr kumimoji="1" lang="ja-JP" altLang="en-US" sz="2400" dirty="0"/>
+              <a:rPr kumimoji="1" lang="ja-JP" altLang="en-US" sz="4400" dirty="0" smtClean="0"/>
+              <a:t>機械学習 </a:t>
+            </a:r>
+            <a:r>
+              <a:rPr kumimoji="1" lang="en-US" altLang="ja-JP" sz="4400" dirty="0" smtClean="0"/>
+              <a:t>vs </a:t>
+            </a:r>
+            <a:r>
+              <a:rPr kumimoji="1" lang="ja-JP" altLang="en-US" sz="4400" dirty="0" smtClean="0"/>
+              <a:t>自動生成</a:t>
+            </a:r>
+            <a:endParaRPr kumimoji="1" lang="ja-JP" altLang="en-US" sz="4400" dirty="0"/>
+          </a:p>
+        </p:txBody>
+      </p:sp>
+      <p:sp>
+        <p:nvSpPr>
+          <p:cNvPr id="3" name="コンテンツ プレースホルダー 2"/>
+          <p:cNvSpPr>
+            <a:spLocks noGrp="1"/>
+          </p:cNvSpPr>
+          <p:nvPr>
+            <p:ph idx="1"/>
+          </p:nvPr>
+        </p:nvSpPr>
+        <p:spPr>
+          <a:xfrm>
+            <a:off x="677334" y="2160589"/>
+            <a:ext cx="9366076" cy="4576761"/>
+          </a:xfrm>
+        </p:spPr>
+        <p:txBody>
+          <a:bodyPr>
+            <a:normAutofit/>
+          </a:bodyPr>
+          <a:lstStyle/>
+          <a:p>
+            <a:r>
+              <a:rPr lang="ja-JP" altLang="en-US" sz="3200" smtClean="0"/>
+              <a:t>機械学習プログラミング</a:t>
+            </a:r>
+            <a:endParaRPr lang="en-US" altLang="ja-JP" sz="3200" dirty="0" smtClean="0"/>
+          </a:p>
+          <a:p>
+            <a:pPr lvl="1"/>
+            <a:r>
+              <a:rPr kumimoji="1" lang="ja-JP" altLang="en-US" sz="3000" dirty="0" smtClean="0"/>
+              <a:t>生成ソースコードを構成管理</a:t>
+            </a:r>
+            <a:endParaRPr kumimoji="1" lang="en-US" altLang="ja-JP" sz="3000" dirty="0" smtClean="0"/>
+          </a:p>
+          <a:p>
+            <a:pPr lvl="1"/>
+            <a:r>
+              <a:rPr lang="ja-JP" altLang="en-US" sz="3000" dirty="0"/>
+              <a:t>人間</a:t>
+            </a:r>
+            <a:r>
+              <a:rPr lang="ja-JP" altLang="en-US" sz="3000" dirty="0" smtClean="0"/>
+              <a:t>が理解</a:t>
+            </a:r>
+            <a:r>
+              <a:rPr lang="ja-JP" altLang="en-US" sz="3000" dirty="0"/>
+              <a:t>可能</a:t>
+            </a:r>
+            <a:r>
+              <a:rPr lang="ja-JP" altLang="en-US" sz="3000" dirty="0" smtClean="0"/>
+              <a:t>な</a:t>
+            </a:r>
+            <a:r>
+              <a:rPr lang="ja-JP" altLang="en-US" sz="3000" dirty="0"/>
+              <a:t>プログラム</a:t>
+            </a:r>
+            <a:r>
+              <a:rPr lang="ja-JP" altLang="en-US" sz="3000" dirty="0" smtClean="0"/>
+              <a:t>を生成してほしい</a:t>
+            </a:r>
+            <a:r>
+              <a:rPr lang="en-US" altLang="ja-JP" sz="3000" dirty="0" smtClean="0"/>
+              <a:t>…</a:t>
+            </a:r>
+            <a:endParaRPr kumimoji="1" lang="en-US" altLang="ja-JP" sz="3000" dirty="0" smtClean="0"/>
           </a:p>
         </p:txBody>
       </p:sp>
     </p:spTree>
     <p:extLst>
       <p:ext uri="{BB962C8B-B14F-4D97-AF65-F5344CB8AC3E}">
-        <p14:creationId xmlns:p14="http://schemas.microsoft.com/office/powerpoint/2010/main" val="4189906395"/>
+        <p14:creationId xmlns:p14="http://schemas.microsoft.com/office/powerpoint/2010/main" val="585363741"/>
       </p:ext>
     </p:extLst>
   </p:cSld>
   <p:clrMapOvr>
     <a:masterClrMapping/>
   </p:clrMapOvr>
+  <p:timing>
+    <p:tnLst>
+      <p:par>
+        <p:cTn id="1" dur="indefinite" restart="never" nodeType="tmRoot"/>
+      </p:par>
+    </p:tnLst>
+  </p:timing>
 </p:sld>
 </file>
 
